--- a/doc/DP/Prezentácia_BPMN modeler.pptx
+++ b/doc/DP/Prezentácia_BPMN modeler.pptx
@@ -303,7 +303,7 @@
           <a:p>
             <a:fld id="{C3BDCDBE-1F9A-4EAE-99A6-6E4E5DAFCD27}" type="datetimeFigureOut">
               <a:rPr lang="sk-SK" smtClean="0"/>
-              <a:t>3. 6. 2019</a:t>
+              <a:t>4. 6. 2019</a:t>
             </a:fld>
             <a:endParaRPr lang="sk-SK"/>
           </a:p>
@@ -578,7 +578,7 @@
           <a:p>
             <a:fld id="{C3BDCDBE-1F9A-4EAE-99A6-6E4E5DAFCD27}" type="datetimeFigureOut">
               <a:rPr lang="sk-SK" smtClean="0"/>
-              <a:t>3. 6. 2019</a:t>
+              <a:t>4. 6. 2019</a:t>
             </a:fld>
             <a:endParaRPr lang="sk-SK"/>
           </a:p>
@@ -772,7 +772,7 @@
           <a:p>
             <a:fld id="{C3BDCDBE-1F9A-4EAE-99A6-6E4E5DAFCD27}" type="datetimeFigureOut">
               <a:rPr lang="sk-SK" smtClean="0"/>
-              <a:t>3. 6. 2019</a:t>
+              <a:t>4. 6. 2019</a:t>
             </a:fld>
             <a:endParaRPr lang="sk-SK"/>
           </a:p>
@@ -1040,7 +1040,7 @@
           <a:p>
             <a:fld id="{C3BDCDBE-1F9A-4EAE-99A6-6E4E5DAFCD27}" type="datetimeFigureOut">
               <a:rPr lang="sk-SK" smtClean="0"/>
-              <a:t>3. 6. 2019</a:t>
+              <a:t>4. 6. 2019</a:t>
             </a:fld>
             <a:endParaRPr lang="sk-SK"/>
           </a:p>
@@ -1372,7 +1372,7 @@
           <a:p>
             <a:fld id="{C3BDCDBE-1F9A-4EAE-99A6-6E4E5DAFCD27}" type="datetimeFigureOut">
               <a:rPr lang="sk-SK" smtClean="0"/>
-              <a:t>3. 6. 2019</a:t>
+              <a:t>4. 6. 2019</a:t>
             </a:fld>
             <a:endParaRPr lang="sk-SK"/>
           </a:p>
@@ -1982,7 +1982,7 @@
           <a:p>
             <a:fld id="{C3BDCDBE-1F9A-4EAE-99A6-6E4E5DAFCD27}" type="datetimeFigureOut">
               <a:rPr lang="sk-SK" smtClean="0"/>
-              <a:t>3. 6. 2019</a:t>
+              <a:t>4. 6. 2019</a:t>
             </a:fld>
             <a:endParaRPr lang="sk-SK"/>
           </a:p>
@@ -2829,7 +2829,7 @@
           <a:p>
             <a:fld id="{C3BDCDBE-1F9A-4EAE-99A6-6E4E5DAFCD27}" type="datetimeFigureOut">
               <a:rPr lang="sk-SK" smtClean="0"/>
-              <a:t>3. 6. 2019</a:t>
+              <a:t>4. 6. 2019</a:t>
             </a:fld>
             <a:endParaRPr lang="sk-SK"/>
           </a:p>
@@ -2999,7 +2999,7 @@
           <a:p>
             <a:fld id="{C3BDCDBE-1F9A-4EAE-99A6-6E4E5DAFCD27}" type="datetimeFigureOut">
               <a:rPr lang="sk-SK" smtClean="0"/>
-              <a:t>3. 6. 2019</a:t>
+              <a:t>4. 6. 2019</a:t>
             </a:fld>
             <a:endParaRPr lang="sk-SK"/>
           </a:p>
@@ -3179,7 +3179,7 @@
           <a:p>
             <a:fld id="{C3BDCDBE-1F9A-4EAE-99A6-6E4E5DAFCD27}" type="datetimeFigureOut">
               <a:rPr lang="sk-SK" smtClean="0"/>
-              <a:t>3. 6. 2019</a:t>
+              <a:t>4. 6. 2019</a:t>
             </a:fld>
             <a:endParaRPr lang="sk-SK"/>
           </a:p>
@@ -3349,7 +3349,7 @@
           <a:p>
             <a:fld id="{C3BDCDBE-1F9A-4EAE-99A6-6E4E5DAFCD27}" type="datetimeFigureOut">
               <a:rPr lang="sk-SK" smtClean="0"/>
-              <a:t>3. 6. 2019</a:t>
+              <a:t>4. 6. 2019</a:t>
             </a:fld>
             <a:endParaRPr lang="sk-SK"/>
           </a:p>
@@ -3593,7 +3593,7 @@
           <a:p>
             <a:fld id="{C3BDCDBE-1F9A-4EAE-99A6-6E4E5DAFCD27}" type="datetimeFigureOut">
               <a:rPr lang="sk-SK" smtClean="0"/>
-              <a:t>3. 6. 2019</a:t>
+              <a:t>4. 6. 2019</a:t>
             </a:fld>
             <a:endParaRPr lang="sk-SK"/>
           </a:p>
@@ -3885,7 +3885,7 @@
           <a:p>
             <a:fld id="{C3BDCDBE-1F9A-4EAE-99A6-6E4E5DAFCD27}" type="datetimeFigureOut">
               <a:rPr lang="sk-SK" smtClean="0"/>
-              <a:t>3. 6. 2019</a:t>
+              <a:t>4. 6. 2019</a:t>
             </a:fld>
             <a:endParaRPr lang="sk-SK"/>
           </a:p>
@@ -4323,7 +4323,7 @@
           <a:p>
             <a:fld id="{C3BDCDBE-1F9A-4EAE-99A6-6E4E5DAFCD27}" type="datetimeFigureOut">
               <a:rPr lang="sk-SK" smtClean="0"/>
-              <a:t>3. 6. 2019</a:t>
+              <a:t>4. 6. 2019</a:t>
             </a:fld>
             <a:endParaRPr lang="sk-SK"/>
           </a:p>
@@ -4441,7 +4441,7 @@
           <a:p>
             <a:fld id="{C3BDCDBE-1F9A-4EAE-99A6-6E4E5DAFCD27}" type="datetimeFigureOut">
               <a:rPr lang="sk-SK" smtClean="0"/>
-              <a:t>3. 6. 2019</a:t>
+              <a:t>4. 6. 2019</a:t>
             </a:fld>
             <a:endParaRPr lang="sk-SK"/>
           </a:p>
@@ -4536,7 +4536,7 @@
           <a:p>
             <a:fld id="{C3BDCDBE-1F9A-4EAE-99A6-6E4E5DAFCD27}" type="datetimeFigureOut">
               <a:rPr lang="sk-SK" smtClean="0"/>
-              <a:t>3. 6. 2019</a:t>
+              <a:t>4. 6. 2019</a:t>
             </a:fld>
             <a:endParaRPr lang="sk-SK"/>
           </a:p>
@@ -4815,7 +4815,7 @@
           <a:p>
             <a:fld id="{C3BDCDBE-1F9A-4EAE-99A6-6E4E5DAFCD27}" type="datetimeFigureOut">
               <a:rPr lang="sk-SK" smtClean="0"/>
-              <a:t>3. 6. 2019</a:t>
+              <a:t>4. 6. 2019</a:t>
             </a:fld>
             <a:endParaRPr lang="sk-SK"/>
           </a:p>
@@ -5090,7 +5090,7 @@
           <a:p>
             <a:fld id="{C3BDCDBE-1F9A-4EAE-99A6-6E4E5DAFCD27}" type="datetimeFigureOut">
               <a:rPr lang="sk-SK" smtClean="0"/>
-              <a:t>3. 6. 2019</a:t>
+              <a:t>4. 6. 2019</a:t>
             </a:fld>
             <a:endParaRPr lang="sk-SK"/>
           </a:p>
@@ -5519,7 +5519,7 @@
           <a:p>
             <a:fld id="{C3BDCDBE-1F9A-4EAE-99A6-6E4E5DAFCD27}" type="datetimeFigureOut">
               <a:rPr lang="sk-SK" smtClean="0"/>
-              <a:t>3. 6. 2019</a:t>
+              <a:t>4. 6. 2019</a:t>
             </a:fld>
             <a:endParaRPr lang="sk-SK"/>
           </a:p>
@@ -7340,6 +7340,31 @@
 <file path=ppt/slides/slide7.xml><?xml version="1.0" encoding="utf-8"?>
 <p:sld xmlns:a="http://schemas.openxmlformats.org/drawingml/2006/main" xmlns:r="http://schemas.openxmlformats.org/officeDocument/2006/relationships" xmlns:p="http://schemas.openxmlformats.org/presentationml/2006/main">
   <p:cSld>
+    <p:bg>
+      <p:bgPr>
+        <a:blipFill rotWithShape="1">
+          <a:blip r:embed="rId2">
+            <a:duotone>
+              <a:schemeClr val="bg2">
+                <a:shade val="69000"/>
+                <a:hueMod val="108000"/>
+                <a:satMod val="164000"/>
+                <a:lumMod val="74000"/>
+              </a:schemeClr>
+              <a:schemeClr val="bg2">
+                <a:tint val="96000"/>
+                <a:hueMod val="88000"/>
+                <a:satMod val="140000"/>
+                <a:lumMod val="132000"/>
+              </a:schemeClr>
+            </a:duotone>
+            <a:extLst/>
+          </a:blip>
+          <a:stretch/>
+        </a:blipFill>
+        <a:effectLst/>
+      </p:bgPr>
+    </p:bg>
     <p:spTree>
       <p:nvGrpSpPr>
         <p:cNvPr id="1" name=""/>
@@ -7356,40 +7381,457 @@
       </p:grpSpPr>
       <p:pic>
         <p:nvPicPr>
-          <p:cNvPr id="4" name="Picture 3">
+          <p:cNvPr id="8" name="Picture 7">
             <a:extLst>
               <a:ext uri="{FF2B5EF4-FFF2-40B4-BE49-F238E27FC236}">
-                <a16:creationId xmlns:a16="http://schemas.microsoft.com/office/drawing/2014/main" id="{74B69ED2-87E5-4A1D-8BAE-4557AD9CA808}"/>
+                <a16:creationId xmlns:a16="http://schemas.microsoft.com/office/drawing/2014/main" id="{C9ECDD5C-152A-4CC7-8333-0F367B3A62EA}"/>
+              </a:ext>
+              <a:ext uri="{C183D7F6-B498-43B3-948B-1728B52AA6E4}">
+                <adec:decorative xmlns:adec="http://schemas.microsoft.com/office/drawing/2017/decorative" val="1"/>
               </a:ext>
             </a:extLst>
           </p:cNvPr>
           <p:cNvPicPr>
-            <a:picLocks noChangeAspect="1"/>
+            <a:picLocks noGrp="1" noRot="1" noChangeAspect="1" noMove="1" noResize="1" noEditPoints="1" noAdjustHandles="1" noChangeArrowheads="1" noChangeShapeType="1" noCrop="1"/>
           </p:cNvPicPr>
-          <p:nvPr/>
+          <p:nvPr>
+            <p:extLst>
+              <p:ext uri="{386F3935-93C4-4BCD-93E2-E3B085C9AB24}">
+                <p16:designElem xmlns:p16="http://schemas.microsoft.com/office/powerpoint/2015/main" val="1"/>
+              </p:ext>
+            </p:extLst>
+          </p:nvPr>
         </p:nvPicPr>
-        <p:blipFill>
-          <a:blip r:embed="rId2">
+        <p:blipFill rotWithShape="1">
+          <a:blip r:embed="rId3">
             <a:extLst>
               <a:ext uri="{28A0092B-C50C-407E-A947-70E740481C1C}">
                 <a14:useLocalDpi xmlns:a14="http://schemas.microsoft.com/office/drawing/2010/main" val="0"/>
               </a:ext>
             </a:extLst>
           </a:blip>
+          <a:srcRect l="3613"/>
+          <a:stretch/>
+        </p:blipFill>
+        <p:spPr>
+          <a:xfrm>
+            <a:off x="0" y="2669685"/>
+            <a:ext cx="4037012" cy="4188315"/>
+          </a:xfrm>
+          <a:prstGeom prst="rect">
+            <a:avLst/>
+          </a:prstGeom>
+        </p:spPr>
+      </p:pic>
+      <p:pic>
+        <p:nvPicPr>
+          <p:cNvPr id="10" name="Picture 9">
+            <a:extLst>
+              <a:ext uri="{FF2B5EF4-FFF2-40B4-BE49-F238E27FC236}">
+                <a16:creationId xmlns:a16="http://schemas.microsoft.com/office/drawing/2014/main" id="{7F5C92A3-369B-43F3-BDCE-E560B1B0EC89}"/>
+              </a:ext>
+              <a:ext uri="{C183D7F6-B498-43B3-948B-1728B52AA6E4}">
+                <adec:decorative xmlns:adec="http://schemas.microsoft.com/office/drawing/2017/decorative" val="1"/>
+              </a:ext>
+            </a:extLst>
+          </p:cNvPr>
+          <p:cNvPicPr>
+            <a:picLocks noGrp="1" noRot="1" noChangeAspect="1" noMove="1" noResize="1" noEditPoints="1" noAdjustHandles="1" noChangeArrowheads="1" noChangeShapeType="1" noCrop="1"/>
+          </p:cNvPicPr>
+          <p:nvPr>
+            <p:extLst>
+              <p:ext uri="{386F3935-93C4-4BCD-93E2-E3B085C9AB24}">
+                <p16:designElem xmlns:p16="http://schemas.microsoft.com/office/powerpoint/2015/main" val="1"/>
+              </p:ext>
+            </p:extLst>
+          </p:nvPr>
+        </p:nvPicPr>
+        <p:blipFill rotWithShape="1">
+          <a:blip r:embed="rId4">
+            <a:extLst>
+              <a:ext uri="{28A0092B-C50C-407E-A947-70E740481C1C}">
+                <a14:useLocalDpi xmlns:a14="http://schemas.microsoft.com/office/drawing/2010/main" val="0"/>
+              </a:ext>
+            </a:extLst>
+          </a:blip>
+          <a:srcRect l="35640"/>
+          <a:stretch/>
+        </p:blipFill>
+        <p:spPr>
+          <a:xfrm>
+            <a:off x="0" y="2892347"/>
+            <a:ext cx="1522412" cy="2365453"/>
+          </a:xfrm>
+          <a:prstGeom prst="rect">
+            <a:avLst/>
+          </a:prstGeom>
+        </p:spPr>
+      </p:pic>
+      <p:sp>
+        <p:nvSpPr>
+          <p:cNvPr id="12" name="Oval 11">
+            <a:extLst>
+              <a:ext uri="{FF2B5EF4-FFF2-40B4-BE49-F238E27FC236}">
+                <a16:creationId xmlns:a16="http://schemas.microsoft.com/office/drawing/2014/main" id="{AEBE9F1A-B38D-446E-83AE-14B17CE77FF2}"/>
+              </a:ext>
+              <a:ext uri="{C183D7F6-B498-43B3-948B-1728B52AA6E4}">
+                <adec:decorative xmlns:adec="http://schemas.microsoft.com/office/drawing/2017/decorative" val="1"/>
+              </a:ext>
+            </a:extLst>
+          </p:cNvPr>
+          <p:cNvSpPr>
+            <a:spLocks noGrp="1" noRot="1" noChangeAspect="1" noMove="1" noResize="1" noEditPoints="1" noAdjustHandles="1" noChangeArrowheads="1" noChangeShapeType="1" noTextEdit="1"/>
+          </p:cNvSpPr>
+          <p:nvPr>
+            <p:extLst>
+              <p:ext uri="{386F3935-93C4-4BCD-93E2-E3B085C9AB24}">
+                <p16:designElem xmlns:p16="http://schemas.microsoft.com/office/powerpoint/2015/main" val="1"/>
+              </p:ext>
+            </p:extLst>
+          </p:nvPr>
+        </p:nvSpPr>
+        <p:spPr>
+          <a:xfrm>
+            <a:off x="8609012" y="1676400"/>
+            <a:ext cx="2819400" cy="2819400"/>
+          </a:xfrm>
+          <a:prstGeom prst="ellipse">
+            <a:avLst/>
+          </a:prstGeom>
+          <a:gradFill flip="none" rotWithShape="1">
+            <a:gsLst>
+              <a:gs pos="0">
+                <a:schemeClr val="bg2">
+                  <a:lumMod val="60000"/>
+                  <a:lumOff val="40000"/>
+                  <a:alpha val="7000"/>
+                </a:schemeClr>
+              </a:gs>
+              <a:gs pos="69000">
+                <a:schemeClr val="bg2">
+                  <a:lumMod val="60000"/>
+                  <a:lumOff val="40000"/>
+                  <a:alpha val="0"/>
+                </a:schemeClr>
+              </a:gs>
+              <a:gs pos="36000">
+                <a:schemeClr val="bg2">
+                  <a:lumMod val="60000"/>
+                  <a:lumOff val="40000"/>
+                  <a:alpha val="6000"/>
+                </a:schemeClr>
+              </a:gs>
+            </a:gsLst>
+            <a:path path="circle">
+              <a:fillToRect l="50000" t="50000" r="50000" b="50000"/>
+            </a:path>
+            <a:tileRect/>
+          </a:gradFill>
+          <a:ln>
+            <a:noFill/>
+          </a:ln>
+          <a:effectLst/>
+        </p:spPr>
+        <p:style>
+          <a:lnRef idx="1">
+            <a:schemeClr val="accent1"/>
+          </a:lnRef>
+          <a:fillRef idx="3">
+            <a:schemeClr val="accent1"/>
+          </a:fillRef>
+          <a:effectRef idx="2">
+            <a:schemeClr val="accent1"/>
+          </a:effectRef>
+          <a:fontRef idx="minor">
+            <a:schemeClr val="lt1"/>
+          </a:fontRef>
+        </p:style>
+      </p:sp>
+      <p:pic>
+        <p:nvPicPr>
+          <p:cNvPr id="14" name="Picture 13">
+            <a:extLst>
+              <a:ext uri="{FF2B5EF4-FFF2-40B4-BE49-F238E27FC236}">
+                <a16:creationId xmlns:a16="http://schemas.microsoft.com/office/drawing/2014/main" id="{915B5014-A7EC-4BA6-9C83-8840CF81DB28}"/>
+              </a:ext>
+              <a:ext uri="{C183D7F6-B498-43B3-948B-1728B52AA6E4}">
+                <adec:decorative xmlns:adec="http://schemas.microsoft.com/office/drawing/2017/decorative" val="1"/>
+              </a:ext>
+            </a:extLst>
+          </p:cNvPr>
+          <p:cNvPicPr>
+            <a:picLocks noGrp="1" noRot="1" noChangeAspect="1" noMove="1" noResize="1" noEditPoints="1" noAdjustHandles="1" noChangeArrowheads="1" noChangeShapeType="1" noCrop="1"/>
+          </p:cNvPicPr>
+          <p:nvPr>
+            <p:extLst>
+              <p:ext uri="{386F3935-93C4-4BCD-93E2-E3B085C9AB24}">
+                <p16:designElem xmlns:p16="http://schemas.microsoft.com/office/powerpoint/2015/main" val="1"/>
+              </p:ext>
+            </p:extLst>
+          </p:nvPr>
+        </p:nvPicPr>
+        <p:blipFill rotWithShape="1">
+          <a:blip r:embed="rId5">
+            <a:extLst>
+              <a:ext uri="{28A0092B-C50C-407E-A947-70E740481C1C}">
+                <a14:useLocalDpi xmlns:a14="http://schemas.microsoft.com/office/drawing/2010/main" val="0"/>
+              </a:ext>
+            </a:extLst>
+          </a:blip>
+          <a:srcRect t="28813"/>
+          <a:stretch/>
+        </p:blipFill>
+        <p:spPr>
+          <a:xfrm>
+            <a:off x="7999412" y="0"/>
+            <a:ext cx="1603387" cy="1141407"/>
+          </a:xfrm>
+          <a:prstGeom prst="rect">
+            <a:avLst/>
+          </a:prstGeom>
+        </p:spPr>
+      </p:pic>
+      <p:pic>
+        <p:nvPicPr>
+          <p:cNvPr id="16" name="Picture 15">
+            <a:extLst>
+              <a:ext uri="{FF2B5EF4-FFF2-40B4-BE49-F238E27FC236}">
+                <a16:creationId xmlns:a16="http://schemas.microsoft.com/office/drawing/2014/main" id="{022C43AB-86D7-420D-8AD7-DC0A15FDD0AF}"/>
+              </a:ext>
+              <a:ext uri="{C183D7F6-B498-43B3-948B-1728B52AA6E4}">
+                <adec:decorative xmlns:adec="http://schemas.microsoft.com/office/drawing/2017/decorative" val="1"/>
+              </a:ext>
+            </a:extLst>
+          </p:cNvPr>
+          <p:cNvPicPr>
+            <a:picLocks noGrp="1" noRot="1" noChangeAspect="1" noMove="1" noResize="1" noEditPoints="1" noAdjustHandles="1" noChangeArrowheads="1" noChangeShapeType="1" noCrop="1"/>
+          </p:cNvPicPr>
+          <p:nvPr>
+            <p:extLst>
+              <p:ext uri="{386F3935-93C4-4BCD-93E2-E3B085C9AB24}">
+                <p16:designElem xmlns:p16="http://schemas.microsoft.com/office/powerpoint/2015/main" val="1"/>
+              </p:ext>
+            </p:extLst>
+          </p:nvPr>
+        </p:nvPicPr>
+        <p:blipFill rotWithShape="1">
+          <a:blip r:embed="rId6">
+            <a:extLst>
+              <a:ext uri="{28A0092B-C50C-407E-A947-70E740481C1C}">
+                <a14:useLocalDpi xmlns:a14="http://schemas.microsoft.com/office/drawing/2010/main" val="0"/>
+              </a:ext>
+            </a:extLst>
+          </a:blip>
+          <a:srcRect b="23320"/>
+          <a:stretch/>
+        </p:blipFill>
+        <p:spPr>
+          <a:xfrm>
+            <a:off x="8605878" y="6096000"/>
+            <a:ext cx="993734" cy="762000"/>
+          </a:xfrm>
+          <a:prstGeom prst="rect">
+            <a:avLst/>
+          </a:prstGeom>
+        </p:spPr>
+      </p:pic>
+      <p:sp>
+        <p:nvSpPr>
+          <p:cNvPr id="18" name="Rectangle 17">
+            <a:extLst>
+              <a:ext uri="{FF2B5EF4-FFF2-40B4-BE49-F238E27FC236}">
+                <a16:creationId xmlns:a16="http://schemas.microsoft.com/office/drawing/2014/main" id="{5E3EB826-A471-488F-9E8A-D65528A3C0CA}"/>
+              </a:ext>
+              <a:ext uri="{C183D7F6-B498-43B3-948B-1728B52AA6E4}">
+                <adec:decorative xmlns:adec="http://schemas.microsoft.com/office/drawing/2017/decorative" val="1"/>
+              </a:ext>
+            </a:extLst>
+          </p:cNvPr>
+          <p:cNvSpPr>
+            <a:spLocks noGrp="1" noRot="1" noChangeAspect="1" noMove="1" noResize="1" noEditPoints="1" noAdjustHandles="1" noChangeArrowheads="1" noChangeShapeType="1" noTextEdit="1"/>
+          </p:cNvSpPr>
+          <p:nvPr>
+            <p:extLst>
+              <p:ext uri="{386F3935-93C4-4BCD-93E2-E3B085C9AB24}">
+                <p16:designElem xmlns:p16="http://schemas.microsoft.com/office/powerpoint/2015/main" val="1"/>
+              </p:ext>
+            </p:extLst>
+          </p:nvPr>
+        </p:nvSpPr>
+        <p:spPr>
+          <a:xfrm>
+            <a:off x="10437812" y="0"/>
+            <a:ext cx="685800" cy="1143000"/>
+          </a:xfrm>
+          <a:prstGeom prst="rect">
+            <a:avLst/>
+          </a:prstGeom>
+          <a:solidFill>
+            <a:schemeClr val="accent1"/>
+          </a:solidFill>
+          <a:ln>
+            <a:noFill/>
+          </a:ln>
+        </p:spPr>
+        <p:style>
+          <a:lnRef idx="1">
+            <a:schemeClr val="accent1"/>
+          </a:lnRef>
+          <a:fillRef idx="3">
+            <a:schemeClr val="accent1"/>
+          </a:fillRef>
+          <a:effectRef idx="2">
+            <a:schemeClr val="accent1"/>
+          </a:effectRef>
+          <a:fontRef idx="minor">
+            <a:schemeClr val="lt1"/>
+          </a:fontRef>
+        </p:style>
+      </p:sp>
+      <p:sp>
+        <p:nvSpPr>
+          <p:cNvPr id="20" name="Rectangle 19">
+            <a:extLst>
+              <a:ext uri="{FF2B5EF4-FFF2-40B4-BE49-F238E27FC236}">
+                <a16:creationId xmlns:a16="http://schemas.microsoft.com/office/drawing/2014/main" id="{DFB3CEA1-88D9-42FB-88ED-1E9807FE6596}"/>
+              </a:ext>
+              <a:ext uri="{C183D7F6-B498-43B3-948B-1728B52AA6E4}">
+                <adec:decorative xmlns:adec="http://schemas.microsoft.com/office/drawing/2017/decorative" val="1"/>
+              </a:ext>
+            </a:extLst>
+          </p:cNvPr>
+          <p:cNvSpPr>
+            <a:spLocks noGrp="1" noRot="1" noChangeAspect="1" noMove="1" noResize="1" noEditPoints="1" noAdjustHandles="1" noChangeArrowheads="1" noChangeShapeType="1" noTextEdit="1"/>
+          </p:cNvSpPr>
+          <p:nvPr>
+            <p:extLst>
+              <p:ext uri="{386F3935-93C4-4BCD-93E2-E3B085C9AB24}">
+                <p16:designElem xmlns:p16="http://schemas.microsoft.com/office/powerpoint/2015/main" val="1"/>
+              </p:ext>
+            </p:extLst>
+          </p:nvPr>
+        </p:nvSpPr>
+        <p:spPr>
+          <a:xfrm>
+            <a:off x="477012" y="480060"/>
+            <a:ext cx="11237976" cy="5897880"/>
+          </a:xfrm>
+          <a:prstGeom prst="rect">
+            <a:avLst/>
+          </a:prstGeom>
+          <a:solidFill>
+            <a:srgbClr val="FFFFFF"/>
+          </a:solidFill>
+          <a:ln>
+            <a:noFill/>
+          </a:ln>
+        </p:spPr>
+        <p:style>
+          <a:lnRef idx="2">
+            <a:schemeClr val="accent1">
+              <a:shade val="50000"/>
+            </a:schemeClr>
+          </a:lnRef>
+          <a:fillRef idx="1">
+            <a:schemeClr val="accent1"/>
+          </a:fillRef>
+          <a:effectRef idx="0">
+            <a:schemeClr val="accent1"/>
+          </a:effectRef>
+          <a:fontRef idx="minor">
+            <a:schemeClr val="lt1"/>
+          </a:fontRef>
+        </p:style>
+        <p:txBody>
+          <a:bodyPr rtlCol="0" anchor="ctr"/>
+          <a:lstStyle/>
+          <a:p>
+            <a:pPr algn="ctr"/>
+            <a:endParaRPr lang="en-US" dirty="0"/>
+          </a:p>
+        </p:txBody>
+      </p:sp>
+      <p:pic>
+        <p:nvPicPr>
+          <p:cNvPr id="3" name="Picture 2">
+            <a:extLst>
+              <a:ext uri="{FF2B5EF4-FFF2-40B4-BE49-F238E27FC236}">
+                <a16:creationId xmlns:a16="http://schemas.microsoft.com/office/drawing/2014/main" id="{5AB3CE89-4115-4D37-96C4-12E848C007E6}"/>
+              </a:ext>
+            </a:extLst>
+          </p:cNvPr>
+          <p:cNvPicPr/>
+          <p:nvPr/>
+        </p:nvPicPr>
+        <p:blipFill>
+          <a:blip r:embed="rId7"/>
           <a:stretch>
             <a:fillRect/>
           </a:stretch>
         </p:blipFill>
         <p:spPr>
           <a:xfrm>
-            <a:off x="294640" y="1206997"/>
-            <a:ext cx="11602719" cy="5280646"/>
+            <a:off x="643467" y="1261619"/>
+            <a:ext cx="10905066" cy="4334762"/>
           </a:xfrm>
           <a:prstGeom prst="rect">
             <a:avLst/>
           </a:prstGeom>
         </p:spPr>
       </p:pic>
+      <p:sp>
+        <p:nvSpPr>
+          <p:cNvPr id="22" name="Rectangle 21">
+            <a:extLst>
+              <a:ext uri="{FF2B5EF4-FFF2-40B4-BE49-F238E27FC236}">
+                <a16:creationId xmlns:a16="http://schemas.microsoft.com/office/drawing/2014/main" id="{9A6C928E-4252-4F33-8C34-E50A12A3170B}"/>
+              </a:ext>
+              <a:ext uri="{C183D7F6-B498-43B3-948B-1728B52AA6E4}">
+                <adec:decorative xmlns:adec="http://schemas.microsoft.com/office/drawing/2017/decorative" val="1"/>
+              </a:ext>
+            </a:extLst>
+          </p:cNvPr>
+          <p:cNvSpPr>
+            <a:spLocks noGrp="1" noRot="1" noChangeAspect="1" noMove="1" noResize="1" noEditPoints="1" noAdjustHandles="1" noChangeArrowheads="1" noChangeShapeType="1" noTextEdit="1"/>
+          </p:cNvSpPr>
+          <p:nvPr>
+            <p:extLst>
+              <p:ext uri="{386F3935-93C4-4BCD-93E2-E3B085C9AB24}">
+                <p16:designElem xmlns:p16="http://schemas.microsoft.com/office/powerpoint/2015/main" val="1"/>
+              </p:ext>
+            </p:extLst>
+          </p:nvPr>
+        </p:nvSpPr>
+        <p:spPr>
+          <a:xfrm>
+            <a:off x="10437812" y="0"/>
+            <a:ext cx="685800" cy="1143000"/>
+          </a:xfrm>
+          <a:prstGeom prst="rect">
+            <a:avLst/>
+          </a:prstGeom>
+          <a:solidFill>
+            <a:schemeClr val="accent1"/>
+          </a:solidFill>
+          <a:ln>
+            <a:noFill/>
+          </a:ln>
+        </p:spPr>
+        <p:style>
+          <a:lnRef idx="1">
+            <a:schemeClr val="accent1"/>
+          </a:lnRef>
+          <a:fillRef idx="3">
+            <a:schemeClr val="accent1"/>
+          </a:fillRef>
+          <a:effectRef idx="2">
+            <a:schemeClr val="accent1"/>
+          </a:effectRef>
+          <a:fontRef idx="minor">
+            <a:schemeClr val="lt1"/>
+          </a:fontRef>
+        </p:style>
+      </p:sp>
     </p:spTree>
     <p:extLst>
       <p:ext uri="{BB962C8B-B14F-4D97-AF65-F5344CB8AC3E}">
